--- a/PathogenDataCourse/SlideSets/PredictingPathogenicFeatures.pptx
+++ b/PathogenDataCourse/SlideSets/PredictingPathogenicFeatures.pptx
@@ -1705,7 +1705,7 @@
           <a:p>
             <a:fld id="{C4181D7C-81F1-BA48-B0CF-02C398C91972}" type="datetimeFigureOut">
               <a:rPr lang="en-US" smtClean="0"/>
-              <a:t>7/15/23</a:t>
+              <a:t>7/16/23</a:t>
             </a:fld>
             <a:endParaRPr lang="en-US"/>
           </a:p>
@@ -3247,7 +3247,7 @@
             <a:fld id="{197342E9-89D0-D246-B0E5-635614E13D75}" type="datetime1">
               <a:rPr lang="en-GB" smtClean="0"/>
               <a:pPr/>
-              <a:t>15/07/2023</a:t>
+              <a:t>16/07/2023</a:t>
             </a:fld>
             <a:endParaRPr lang="en-US" dirty="0"/>
           </a:p>
@@ -7865,7 +7865,7 @@
             <a:fld id="{197342E9-89D0-D246-B0E5-635614E13D75}" type="datetime1">
               <a:rPr lang="en-GB" smtClean="0"/>
               <a:pPr/>
-              <a:t>15/07/2023</a:t>
+              <a:t>16/07/2023</a:t>
             </a:fld>
             <a:endParaRPr lang="en-US" dirty="0"/>
           </a:p>
@@ -10948,7 +10948,7 @@
             <a:fld id="{197342E9-89D0-D246-B0E5-635614E13D75}" type="datetime1">
               <a:rPr lang="en-GB" smtClean="0"/>
               <a:pPr/>
-              <a:t>15/07/2023</a:t>
+              <a:t>16/07/2023</a:t>
             </a:fld>
             <a:endParaRPr lang="en-US" dirty="0"/>
           </a:p>
@@ -13597,7 +13597,7 @@
         </p:spPr>
         <p:txBody>
           <a:bodyPr>
-            <a:normAutofit/>
+            <a:normAutofit fontScale="92500" lnSpcReduction="10000"/>
           </a:bodyPr>
           <a:lstStyle/>
           <a:p>
@@ -13650,16 +13650,39 @@
           <a:p>
             <a:pPr lvl="1"/>
             <a:r>
-              <a:rPr lang="nl-BE"/>
-              <a:t>Will </a:t>
-            </a:r>
-            <a:r>
               <a:rPr lang="nl-BE" dirty="0"/>
-              <a:t>search the VFDB and others</a:t>
+              <a:t>Will search the VFDB and others</a:t>
             </a:r>
           </a:p>
           <a:p>
             <a:endParaRPr lang="nl-BE" sz="1800" dirty="0"/>
+          </a:p>
+          <a:p>
+            <a:r>
+              <a:rPr lang="nl-BE" dirty="0"/>
+              <a:t>ABRicate:</a:t>
+            </a:r>
+          </a:p>
+          <a:p>
+            <a:pPr lvl="1"/>
+            <a:r>
+              <a:rPr lang="nl-BE" dirty="0"/>
+              <a:t>Looks for antimicrobial resistance and virulence factors</a:t>
+            </a:r>
+          </a:p>
+          <a:p>
+            <a:pPr lvl="1"/>
+            <a:r>
+              <a:rPr lang="nl-BE" dirty="0"/>
+              <a:t>Will search the VFDB and others</a:t>
+            </a:r>
+          </a:p>
+          <a:p>
+            <a:pPr lvl="1"/>
+            <a:r>
+              <a:rPr lang="nl-BE" dirty="0"/>
+              <a:t>Cannot find point mutations, only whole gene presence/absence</a:t>
+            </a:r>
           </a:p>
         </p:txBody>
       </p:sp>
@@ -16541,6 +16564,15 @@
 </file>
 
 <file path=customXml/item1.xml><?xml version="1.0" encoding="utf-8"?>
+<?mso-contentType ?>
+<FormTemplates xmlns="http://schemas.microsoft.com/sharepoint/v3/contenttype/forms">
+  <Display>DocumentLibraryForm</Display>
+  <Edit>DocumentLibraryForm</Edit>
+  <New>DocumentLibraryForm</New>
+</FormTemplates>
+</file>
+
+<file path=customXml/item2.xml><?xml version="1.0" encoding="utf-8"?>
 <ct:contentTypeSchema xmlns:ct="http://schemas.microsoft.com/office/2006/metadata/contentType" xmlns:ma="http://schemas.microsoft.com/office/2006/metadata/properties/metaAttributes" ct:_="" ma:_="" ma:contentTypeName="Document" ma:contentTypeID="0x010100E248A64365211844BF30BC3ADD420261" ma:contentTypeVersion="11" ma:contentTypeDescription="Create a new document." ma:contentTypeScope="" ma:versionID="bf0b94b058452ed3cec91f89e664909d">
   <xsd:schema xmlns:xsd="http://www.w3.org/2001/XMLSchema" xmlns:xs="http://www.w3.org/2001/XMLSchema" xmlns:p="http://schemas.microsoft.com/office/2006/metadata/properties" xmlns:ns2="8dbe2aa3-3237-4830-85c4-3d48417ef302" xmlns:ns3="b317b901-4ab4-4161-80c3-da5df50c25bf" targetNamespace="http://schemas.microsoft.com/office/2006/metadata/properties" ma:root="true" ma:fieldsID="d988d784501c0b668dd73c0ebdbd98a4" ns2:_="" ns3:_="">
     <xsd:import namespace="8dbe2aa3-3237-4830-85c4-3d48417ef302"/>
@@ -16751,15 +16783,6 @@
 </ct:contentTypeSchema>
 </file>
 
-<file path=customXml/item2.xml><?xml version="1.0" encoding="utf-8"?>
-<?mso-contentType ?>
-<FormTemplates xmlns="http://schemas.microsoft.com/sharepoint/v3/contenttype/forms">
-  <Display>DocumentLibraryForm</Display>
-  <Edit>DocumentLibraryForm</Edit>
-  <New>DocumentLibraryForm</New>
-</FormTemplates>
-</file>
-
 <file path=customXml/item3.xml><?xml version="1.0" encoding="utf-8"?>
 <p:properties xmlns:p="http://schemas.microsoft.com/office/2006/metadata/properties" xmlns:xsi="http://www.w3.org/2001/XMLSchema-instance" xmlns:pc="http://schemas.microsoft.com/office/infopath/2007/PartnerControls">
   <documentManagement/>
@@ -16767,6 +16790,14 @@
 </file>
 
 <file path=customXml/itemProps1.xml><?xml version="1.0" encoding="utf-8"?>
+<ds:datastoreItem xmlns:ds="http://schemas.openxmlformats.org/officeDocument/2006/customXml" ds:itemID="{B1063616-57F3-4C87-BB7F-2974CF36DE76}">
+  <ds:schemaRefs>
+    <ds:schemaRef ds:uri="http://schemas.microsoft.com/sharepoint/v3/contenttype/forms"/>
+  </ds:schemaRefs>
+</ds:datastoreItem>
+</file>
+
+<file path=customXml/itemProps2.xml><?xml version="1.0" encoding="utf-8"?>
 <ds:datastoreItem xmlns:ds="http://schemas.openxmlformats.org/officeDocument/2006/customXml" ds:itemID="{72E4F038-6994-4608-A1EA-AF583DA06B5C}">
   <ds:schemaRefs>
     <ds:schemaRef ds:uri="http://schemas.microsoft.com/office/2006/metadata/contentType"/>
@@ -16781,14 +16812,6 @@
     <ds:schemaRef ds:uri="http://purl.org/dc/elements/1.1/"/>
     <ds:schemaRef ds:uri="http://purl.org/dc/terms/"/>
     <ds:schemaRef ds:uri="http://schemas.microsoft.com/internal/obd"/>
-  </ds:schemaRefs>
-</ds:datastoreItem>
-</file>
-
-<file path=customXml/itemProps2.xml><?xml version="1.0" encoding="utf-8"?>
-<ds:datastoreItem xmlns:ds="http://schemas.openxmlformats.org/officeDocument/2006/customXml" ds:itemID="{B1063616-57F3-4C87-BB7F-2974CF36DE76}">
-  <ds:schemaRefs>
-    <ds:schemaRef ds:uri="http://schemas.microsoft.com/sharepoint/v3/contenttype/forms"/>
   </ds:schemaRefs>
 </ds:datastoreItem>
 </file>

--- a/PathogenDataCourse/SlideSets/PredictingPathogenicFeatures.pptx
+++ b/PathogenDataCourse/SlideSets/PredictingPathogenicFeatures.pptx
@@ -1705,7 +1705,7 @@
           <a:p>
             <a:fld id="{C4181D7C-81F1-BA48-B0CF-02C398C91972}" type="datetimeFigureOut">
               <a:rPr lang="en-US" smtClean="0"/>
-              <a:t>7/16/23</a:t>
+              <a:t>7/18/23</a:t>
             </a:fld>
             <a:endParaRPr lang="en-US"/>
           </a:p>
@@ -3247,7 +3247,7 @@
             <a:fld id="{197342E9-89D0-D246-B0E5-635614E13D75}" type="datetime1">
               <a:rPr lang="en-GB" smtClean="0"/>
               <a:pPr/>
-              <a:t>16/07/2023</a:t>
+              <a:t>18/07/2023</a:t>
             </a:fld>
             <a:endParaRPr lang="en-US" dirty="0"/>
           </a:p>
@@ -7865,7 +7865,7 @@
             <a:fld id="{197342E9-89D0-D246-B0E5-635614E13D75}" type="datetime1">
               <a:rPr lang="en-GB" smtClean="0"/>
               <a:pPr/>
-              <a:t>16/07/2023</a:t>
+              <a:t>18/07/2023</a:t>
             </a:fld>
             <a:endParaRPr lang="en-US" dirty="0"/>
           </a:p>
@@ -10948,7 +10948,7 @@
             <a:fld id="{197342E9-89D0-D246-B0E5-635614E13D75}" type="datetime1">
               <a:rPr lang="en-GB" smtClean="0"/>
               <a:pPr/>
-              <a:t>16/07/2023</a:t>
+              <a:t>18/07/2023</a:t>
             </a:fld>
             <a:endParaRPr lang="en-US" dirty="0"/>
           </a:p>
@@ -13399,10 +13399,10 @@
           <a:lstStyle/>
           <a:p>
             <a:r>
-              <a:rPr lang="en-GB" sz="4400" dirty="0"/>
+              <a:rPr lang="en-GB" sz="4400" noProof="0" dirty="0"/>
               <a:t>Predicting pathogenic features</a:t>
             </a:r>
-            <a:endParaRPr lang="en-US" sz="4400" i="1" dirty="0"/>
+            <a:endParaRPr lang="en-GB" sz="4400" i="1" noProof="0" dirty="0"/>
           </a:p>
         </p:txBody>
       </p:sp>
@@ -13430,27 +13430,27 @@
           <a:lstStyle/>
           <a:p>
             <a:r>
-              <a:rPr lang="en-US" dirty="0"/>
+              <a:rPr lang="en-GB" noProof="0" dirty="0"/>
               <a:t>Conor Meehan (he/they)</a:t>
             </a:r>
           </a:p>
           <a:p>
             <a:r>
-              <a:rPr lang="en-US" dirty="0" err="1"/>
+              <a:rPr lang="en-GB" noProof="0" dirty="0" err="1"/>
               <a:t>conor.meehan@ntu.ac.uk</a:t>
             </a:r>
-            <a:endParaRPr lang="en-US" dirty="0"/>
-          </a:p>
-          <a:p>
-            <a:r>
-              <a:rPr lang="en-US" dirty="0"/>
+            <a:endParaRPr lang="en-GB" noProof="0" dirty="0"/>
+          </a:p>
+          <a:p>
+            <a:r>
+              <a:rPr lang="en-GB" noProof="0" dirty="0"/>
               <a:t>@</a:t>
             </a:r>
             <a:r>
-              <a:rPr lang="en-US" dirty="0" err="1"/>
+              <a:rPr lang="en-GB" noProof="0" dirty="0" err="1"/>
               <a:t>con_meehan</a:t>
             </a:r>
-            <a:endParaRPr lang="en-US" dirty="0"/>
+            <a:endParaRPr lang="en-GB" noProof="0" dirty="0"/>
           </a:p>
         </p:txBody>
       </p:sp>
@@ -13601,25 +13601,25 @@
           </a:bodyPr>
           <a:lstStyle/>
           <a:p>
-            <a:endParaRPr lang="nl-BE" dirty="0"/>
-          </a:p>
-          <a:p>
-            <a:r>
-              <a:rPr lang="nl-BE" dirty="0"/>
+            <a:endParaRPr lang="en-GB" noProof="0" dirty="0"/>
+          </a:p>
+          <a:p>
+            <a:r>
+              <a:rPr lang="en-GB" noProof="0" dirty="0"/>
               <a:t>VFDB:</a:t>
             </a:r>
           </a:p>
           <a:p>
             <a:pPr lvl="1"/>
             <a:r>
-              <a:rPr lang="nl-BE" dirty="0"/>
+              <a:rPr lang="en-GB" noProof="0" dirty="0"/>
               <a:t>Virulence factor database</a:t>
             </a:r>
           </a:p>
           <a:p>
             <a:pPr lvl="1"/>
             <a:r>
-              <a:rPr lang="en-GB" b="0" i="0" u="sng" dirty="0">
+              <a:rPr lang="en-GB" b="0" i="0" u="sng" noProof="0" dirty="0">
                 <a:solidFill>
                   <a:srgbClr val="205493"/>
                 </a:solidFill>
@@ -13629,58 +13629,66 @@
               </a:rPr>
               <a:t>http://www.mgc.ac.cn/VFs/</a:t>
             </a:r>
-            <a:endParaRPr lang="nl-BE" dirty="0"/>
-          </a:p>
-          <a:p>
-            <a:endParaRPr lang="nl-BE" dirty="0"/>
-          </a:p>
-          <a:p>
-            <a:r>
-              <a:rPr lang="nl-BE" dirty="0"/>
-              <a:t>AbritAMR:</a:t>
+            <a:endParaRPr lang="en-GB" noProof="0" dirty="0"/>
+          </a:p>
+          <a:p>
+            <a:endParaRPr lang="en-GB" noProof="0" dirty="0"/>
+          </a:p>
+          <a:p>
+            <a:r>
+              <a:rPr lang="en-GB" noProof="0" dirty="0" err="1"/>
+              <a:t>AbritAMR</a:t>
+            </a:r>
+            <a:r>
+              <a:rPr lang="en-GB" noProof="0" dirty="0"/>
+              <a:t>:</a:t>
             </a:r>
           </a:p>
           <a:p>
             <a:pPr lvl="1"/>
             <a:r>
-              <a:rPr lang="nl-BE" dirty="0"/>
+              <a:rPr lang="en-GB" noProof="0" dirty="0"/>
               <a:t>Looks for antimicrobial resistance and virulence factors</a:t>
             </a:r>
           </a:p>
           <a:p>
             <a:pPr lvl="1"/>
             <a:r>
-              <a:rPr lang="nl-BE" dirty="0"/>
+              <a:rPr lang="en-GB" noProof="0" dirty="0"/>
               <a:t>Will search the VFDB and others</a:t>
             </a:r>
           </a:p>
           <a:p>
-            <a:endParaRPr lang="nl-BE" sz="1800" dirty="0"/>
-          </a:p>
-          <a:p>
-            <a:r>
-              <a:rPr lang="nl-BE" dirty="0"/>
-              <a:t>ABRicate:</a:t>
+            <a:endParaRPr lang="en-GB" sz="1800" noProof="0" dirty="0"/>
+          </a:p>
+          <a:p>
+            <a:r>
+              <a:rPr lang="en-GB" noProof="0" dirty="0" err="1"/>
+              <a:t>ABRicate</a:t>
+            </a:r>
+            <a:r>
+              <a:rPr lang="en-GB" noProof="0" dirty="0"/>
+              <a:t>:</a:t>
             </a:r>
           </a:p>
           <a:p>
             <a:pPr lvl="1"/>
             <a:r>
-              <a:rPr lang="nl-BE" dirty="0"/>
+              <a:rPr lang="en-GB" noProof="0" dirty="0"/>
               <a:t>Looks for antimicrobial resistance and virulence factors</a:t>
             </a:r>
           </a:p>
           <a:p>
             <a:pPr lvl="1"/>
             <a:r>
-              <a:rPr lang="nl-BE" dirty="0"/>
+              <a:rPr lang="en-GB" noProof="0" dirty="0"/>
               <a:t>Will search the VFDB and others</a:t>
             </a:r>
           </a:p>
           <a:p>
             <a:pPr lvl="1"/>
             <a:r>
-              <a:rPr lang="nl-BE" dirty="0"/>
+              <a:rPr lang="en-GB" noProof="0" dirty="0"/>
               <a:t>Cannot find point mutations, only whole gene presence/absence</a:t>
             </a:r>
           </a:p>
@@ -13834,84 +13842,84 @@
           <a:lstStyle/>
           <a:p>
             <a:r>
-              <a:rPr lang="en-GB" sz="2400" dirty="0"/>
+              <a:rPr lang="en-GB" sz="2400" noProof="0" dirty="0"/>
               <a:t>Small circular DNA found in bacteria and other microorganisms</a:t>
             </a:r>
           </a:p>
           <a:p>
             <a:pPr lvl="1"/>
             <a:r>
-              <a:rPr lang="en-GB" sz="2000" dirty="0"/>
+              <a:rPr lang="en-GB" sz="2000" noProof="0" dirty="0"/>
               <a:t>Significantly smaller than chromosomes</a:t>
             </a:r>
           </a:p>
           <a:p>
             <a:pPr lvl="1"/>
             <a:r>
-              <a:rPr lang="en-GB" sz="2000" dirty="0"/>
+              <a:rPr lang="en-GB" sz="2000" noProof="0" dirty="0"/>
               <a:t>Carry specific genes</a:t>
             </a:r>
           </a:p>
           <a:p>
             <a:pPr lvl="2"/>
             <a:r>
-              <a:rPr lang="en-GB" sz="1800" i="1" dirty="0"/>
+              <a:rPr lang="en-GB" sz="1800" i="1" noProof="0" dirty="0"/>
               <a:t>rep</a:t>
             </a:r>
             <a:r>
-              <a:rPr lang="en-GB" sz="1800" dirty="0"/>
+              <a:rPr lang="en-GB" sz="1800" noProof="0" dirty="0"/>
               <a:t> for initiative replication</a:t>
             </a:r>
           </a:p>
           <a:p>
             <a:pPr lvl="2"/>
             <a:r>
-              <a:rPr lang="en-GB" sz="1800" dirty="0"/>
+              <a:rPr lang="en-GB" sz="1800" noProof="0" dirty="0"/>
               <a:t>Mobility (MOB) genes for conjugation</a:t>
             </a:r>
           </a:p>
           <a:p>
-            <a:endParaRPr lang="en-GB" sz="2400" dirty="0"/>
-          </a:p>
-          <a:p>
-            <a:r>
-              <a:rPr lang="en-GB" sz="2400" dirty="0"/>
+            <a:endParaRPr lang="en-GB" sz="2400" noProof="0" dirty="0"/>
+          </a:p>
+          <a:p>
+            <a:r>
+              <a:rPr lang="en-GB" sz="2400" noProof="0" dirty="0"/>
               <a:t>Often contain AMR- and virulence-related genes</a:t>
             </a:r>
           </a:p>
           <a:p>
-            <a:endParaRPr lang="en-GB" sz="2400" dirty="0"/>
-          </a:p>
-          <a:p>
-            <a:r>
-              <a:rPr lang="en-GB" sz="2400" dirty="0"/>
+            <a:endParaRPr lang="en-GB" sz="2400" noProof="0" dirty="0"/>
+          </a:p>
+          <a:p>
+            <a:r>
+              <a:rPr lang="en-GB" sz="2400" noProof="0" dirty="0"/>
               <a:t>Several types of plasmid</a:t>
             </a:r>
           </a:p>
           <a:p>
             <a:pPr lvl="1"/>
             <a:r>
-              <a:rPr lang="en-GB" sz="2000" dirty="0"/>
+              <a:rPr lang="en-GB" sz="2000" noProof="0" dirty="0"/>
               <a:t>Species/genus-specific</a:t>
             </a:r>
           </a:p>
           <a:p>
             <a:pPr lvl="1"/>
             <a:r>
-              <a:rPr lang="en-GB" sz="2000" dirty="0"/>
+              <a:rPr lang="en-GB" sz="2000" noProof="0" dirty="0"/>
               <a:t>Classified with multi-locus sequence typing</a:t>
             </a:r>
           </a:p>
           <a:p>
             <a:pPr lvl="2"/>
             <a:r>
-              <a:rPr lang="en-GB" sz="1800" dirty="0"/>
+              <a:rPr lang="en-GB" sz="1800" noProof="0" dirty="0"/>
               <a:t>Explained in strain typing tutorial</a:t>
             </a:r>
           </a:p>
           <a:p>
             <a:pPr lvl="2"/>
-            <a:endParaRPr lang="nl-BE" sz="1800" dirty="0"/>
+            <a:endParaRPr lang="en-GB" sz="1800" noProof="0" dirty="0"/>
           </a:p>
         </p:txBody>
       </p:sp>
@@ -14145,63 +14153,62 @@
           <a:lstStyle/>
           <a:p>
             <a:r>
-              <a:rPr lang="en-GB" sz="2800" dirty="0"/>
+              <a:rPr lang="en-GB" sz="2800" noProof="0" dirty="0"/>
               <a:t>Easiest from long read technology</a:t>
             </a:r>
           </a:p>
           <a:p>
-            <a:endParaRPr lang="en-GB" sz="2800" dirty="0"/>
-          </a:p>
-          <a:p>
-            <a:r>
-              <a:rPr lang="en-GB" sz="2800" dirty="0"/>
+            <a:endParaRPr lang="en-GB" sz="2800" noProof="0" dirty="0"/>
+          </a:p>
+          <a:p>
+            <a:r>
+              <a:rPr lang="en-GB" sz="2800" noProof="0" dirty="0"/>
               <a:t>Short read technology have difficulty with repetitive regions</a:t>
             </a:r>
           </a:p>
           <a:p>
-            <a:endParaRPr lang="en-GB" sz="2800" dirty="0"/>
-          </a:p>
-          <a:p>
-            <a:r>
-              <a:rPr lang="en-GB" sz="2800" dirty="0"/>
+            <a:endParaRPr lang="en-GB" sz="2800" noProof="0" dirty="0"/>
+          </a:p>
+          <a:p>
+            <a:r>
+              <a:rPr lang="en-GB" sz="2800" noProof="0" dirty="0"/>
               <a:t>Many tools to undertake this:</a:t>
             </a:r>
           </a:p>
           <a:p>
             <a:pPr lvl="1"/>
             <a:r>
-              <a:rPr lang="en-GB" sz="2500" dirty="0" err="1"/>
+              <a:rPr lang="en-GB" sz="2500" noProof="0" dirty="0" err="1"/>
               <a:t>PlasmidFinder</a:t>
             </a:r>
-            <a:endParaRPr lang="en-GB" sz="2500" dirty="0"/>
+            <a:endParaRPr lang="en-GB" sz="2500" noProof="0" dirty="0"/>
           </a:p>
           <a:p>
             <a:pPr lvl="1"/>
             <a:r>
-              <a:rPr lang="en-GB" sz="2500" dirty="0"/>
+              <a:rPr lang="en-GB" sz="2500" noProof="0" dirty="0"/>
               <a:t>PLACNET</a:t>
             </a:r>
           </a:p>
           <a:p>
-            <a:endParaRPr lang="en-GB" sz="2800" dirty="0"/>
-          </a:p>
-          <a:p>
-            <a:r>
-              <a:rPr lang="en-GB" sz="2800" dirty="0"/>
+            <a:endParaRPr lang="en-GB" sz="2800" noProof="0" dirty="0"/>
+          </a:p>
+          <a:p>
+            <a:r>
+              <a:rPr lang="en-GB" sz="2800" noProof="0" dirty="0"/>
               <a:t>Mostly homology based detection against database</a:t>
             </a:r>
           </a:p>
           <a:p>
             <a:pPr lvl="1"/>
             <a:r>
-              <a:rPr lang="en-GB" sz="2500" dirty="0" err="1"/>
+              <a:rPr lang="en-GB" sz="2500" noProof="0" dirty="0" err="1"/>
               <a:t>PlasForest</a:t>
             </a:r>
             <a:r>
-              <a:rPr lang="en-GB" sz="2500" dirty="0"/>
+              <a:rPr lang="en-GB" sz="2500" noProof="0" dirty="0"/>
               <a:t> using a random forest approach to overcome this  but can be (comparatively) difficult to install</a:t>
             </a:r>
-            <a:endParaRPr lang="nl-BE" sz="2500" dirty="0"/>
           </a:p>
         </p:txBody>
       </p:sp>
@@ -14351,37 +14358,29 @@
           </a:bodyPr>
           <a:lstStyle/>
           <a:p>
-            <a:endParaRPr lang="en-CA" dirty="0"/>
-          </a:p>
-          <a:p>
-            <a:r>
-              <a:rPr lang="en-CA" dirty="0"/>
-              <a:t>Discuss the basis of antimicrobial resistance mechanisms and </a:t>
-            </a:r>
-            <a:r>
-              <a:rPr lang="en-CA" dirty="0" err="1"/>
-              <a:t>ays</a:t>
-            </a:r>
-            <a:r>
-              <a:rPr lang="en-CA" dirty="0"/>
-              <a:t> to detect them from genomic data</a:t>
-            </a:r>
-          </a:p>
-          <a:p>
-            <a:endParaRPr lang="en-CA" dirty="0"/>
-          </a:p>
-          <a:p>
-            <a:r>
-              <a:rPr lang="en-CA" dirty="0"/>
+            <a:endParaRPr lang="en-GB" noProof="0" dirty="0"/>
+          </a:p>
+          <a:p>
+            <a:r>
+              <a:rPr lang="en-GB" noProof="0" dirty="0"/>
+              <a:t>Discuss the basis of antimicrobial resistance mechanisms and ways to detect them from genomic data</a:t>
+            </a:r>
+          </a:p>
+          <a:p>
+            <a:endParaRPr lang="en-GB" noProof="0" dirty="0"/>
+          </a:p>
+          <a:p>
+            <a:r>
+              <a:rPr lang="en-GB" noProof="0" dirty="0"/>
               <a:t>Identify the primary virulence factors and ways to detect them from genomic data</a:t>
             </a:r>
           </a:p>
           <a:p>
-            <a:endParaRPr lang="en-CA" dirty="0"/>
-          </a:p>
-          <a:p>
-            <a:r>
-              <a:rPr lang="en-CA" dirty="0"/>
+            <a:endParaRPr lang="en-GB" noProof="0" dirty="0"/>
+          </a:p>
+          <a:p>
+            <a:r>
+              <a:rPr lang="en-GB" noProof="0" dirty="0"/>
               <a:t>Define plasmids and their primary contents and ways to detect them from genomic data</a:t>
             </a:r>
           </a:p>
@@ -14533,37 +14532,37 @@
           </a:bodyPr>
           <a:lstStyle/>
           <a:p>
-            <a:endParaRPr lang="en-CA" dirty="0"/>
-          </a:p>
-          <a:p>
-            <a:r>
-              <a:rPr lang="en-CA" dirty="0"/>
+            <a:endParaRPr lang="en-GB" noProof="0" dirty="0"/>
+          </a:p>
+          <a:p>
+            <a:r>
+              <a:rPr lang="en-GB" noProof="0" dirty="0"/>
               <a:t>Discuss the basis of antimicrobial resistance mechanisms and </a:t>
             </a:r>
             <a:r>
-              <a:rPr lang="en-CA" dirty="0" err="1"/>
+              <a:rPr lang="en-GB" noProof="0" dirty="0" err="1"/>
               <a:t>ays</a:t>
             </a:r>
             <a:r>
-              <a:rPr lang="en-CA" dirty="0"/>
+              <a:rPr lang="en-GB" noProof="0" dirty="0"/>
               <a:t> to detect them from genomic data</a:t>
             </a:r>
           </a:p>
           <a:p>
-            <a:endParaRPr lang="en-CA" dirty="0"/>
-          </a:p>
-          <a:p>
-            <a:r>
-              <a:rPr lang="en-CA" dirty="0"/>
+            <a:endParaRPr lang="en-GB" noProof="0" dirty="0"/>
+          </a:p>
+          <a:p>
+            <a:r>
+              <a:rPr lang="en-GB" noProof="0" dirty="0"/>
               <a:t>Identify the primary virulence factors and ways to detect them from genomic data</a:t>
             </a:r>
           </a:p>
           <a:p>
-            <a:endParaRPr lang="en-CA" dirty="0"/>
-          </a:p>
-          <a:p>
-            <a:r>
-              <a:rPr lang="en-CA" dirty="0"/>
+            <a:endParaRPr lang="en-GB" noProof="0" dirty="0"/>
+          </a:p>
+          <a:p>
+            <a:r>
+              <a:rPr lang="en-GB" noProof="0" dirty="0"/>
               <a:t>Define plasmids and their primary contents and ways to detect them from genomic data</a:t>
             </a:r>
           </a:p>
@@ -14716,42 +14715,42 @@
           </a:bodyPr>
           <a:lstStyle/>
           <a:p>
-            <a:endParaRPr lang="nl-BE" sz="2400" dirty="0"/>
-          </a:p>
-          <a:p>
-            <a:r>
-              <a:rPr lang="nl-BE" sz="2400" dirty="0"/>
+            <a:endParaRPr lang="en-GB" sz="2400" noProof="0" dirty="0"/>
+          </a:p>
+          <a:p>
+            <a:r>
+              <a:rPr lang="en-GB" sz="2400" noProof="0" dirty="0"/>
               <a:t>Large part of public health genomics is detecting characteristics of pathogens:</a:t>
             </a:r>
           </a:p>
           <a:p>
             <a:pPr lvl="1"/>
             <a:r>
-              <a:rPr lang="nl-BE" sz="2100" dirty="0"/>
+              <a:rPr lang="en-GB" sz="2100" noProof="0" dirty="0"/>
               <a:t>Antimicrobial resistance (AMR) genes/mutations</a:t>
             </a:r>
           </a:p>
           <a:p>
             <a:pPr lvl="1"/>
             <a:r>
-              <a:rPr lang="nl-BE" sz="2100" dirty="0"/>
-              <a:t>Virulence factors such as xxx</a:t>
+              <a:rPr lang="en-GB" sz="2100" noProof="0" dirty="0"/>
+              <a:t>Virulence factors such as toxins, siderophores etc.</a:t>
             </a:r>
           </a:p>
           <a:p>
             <a:pPr lvl="1"/>
             <a:r>
-              <a:rPr lang="nl-BE" sz="2100" dirty="0"/>
+              <a:rPr lang="en-GB" sz="2100" noProof="0" dirty="0"/>
               <a:t>Plasmids and associated genes (e.g. toxins or AMR)</a:t>
             </a:r>
           </a:p>
           <a:p>
-            <a:endParaRPr lang="nl-BE" sz="2400" dirty="0"/>
-          </a:p>
-          <a:p>
-            <a:r>
-              <a:rPr lang="nl-BE" sz="2400" dirty="0"/>
-              <a:t>Each of these has a set of specific associated knowledge base and bioinfromatics tools</a:t>
+            <a:endParaRPr lang="en-GB" sz="2400" noProof="0" dirty="0"/>
+          </a:p>
+          <a:p>
+            <a:r>
+              <a:rPr lang="en-GB" sz="2400" noProof="0" dirty="0"/>
+              <a:t>Each of these has a set of specific associated knowledge base and bioinformatics tools</a:t>
             </a:r>
           </a:p>
         </p:txBody>
@@ -14816,7 +14815,7 @@
           <a:p>
             <a:pPr algn="ctr"/>
             <a:r>
-              <a:rPr lang="en-US" sz="3200" dirty="0"/>
+              <a:rPr lang="en-GB" sz="3200" noProof="0" dirty="0"/>
               <a:t>Genetic basis of antimicrobial resistance (AMR)</a:t>
             </a:r>
           </a:p>
@@ -14933,27 +14932,27 @@
           <a:lstStyle/>
           <a:p>
             <a:r>
-              <a:rPr lang="nl-BE" sz="2000" dirty="0"/>
+              <a:rPr lang="en-GB" sz="2000" noProof="0" dirty="0"/>
               <a:t>Genetic basis:</a:t>
             </a:r>
           </a:p>
           <a:p>
             <a:pPr lvl="1"/>
             <a:r>
-              <a:rPr lang="nl-BE" sz="2000" dirty="0"/>
+              <a:rPr lang="en-GB" sz="2000" noProof="0" dirty="0"/>
               <a:t>genome analysis (focus here)</a:t>
             </a:r>
           </a:p>
           <a:p>
             <a:r>
-              <a:rPr lang="nl-BE" sz="2000" dirty="0"/>
+              <a:rPr lang="en-GB" sz="2000" noProof="0" dirty="0"/>
               <a:t>Regulatory basis: </a:t>
             </a:r>
           </a:p>
           <a:p>
             <a:pPr lvl="1"/>
             <a:r>
-              <a:rPr lang="nl-BE" sz="2000" dirty="0"/>
+              <a:rPr lang="en-GB" sz="2000" noProof="0" dirty="0"/>
               <a:t>Transcriptome/proteome analysis</a:t>
             </a:r>
           </a:p>
@@ -15019,7 +15018,7 @@
           <a:p>
             <a:pPr algn="ctr"/>
             <a:r>
-              <a:rPr lang="en-US" sz="3200" dirty="0"/>
+              <a:rPr lang="en-GB" sz="3200" noProof="0" dirty="0"/>
               <a:t>Mutations and horizontal gene transfer (HGT)</a:t>
             </a:r>
           </a:p>
@@ -15284,7 +15283,7 @@
           <a:p>
             <a:pPr algn="ctr"/>
             <a:r>
-              <a:rPr lang="en-US" sz="3200" dirty="0"/>
+              <a:rPr lang="en-GB" sz="3200" noProof="0" dirty="0"/>
               <a:t>Bioinformatics in AMR research</a:t>
             </a:r>
           </a:p>
@@ -15440,15 +15439,15 @@
           <a:p>
             <a:pPr algn="ctr"/>
             <a:r>
-              <a:rPr lang="en-US" sz="3200" dirty="0"/>
+              <a:rPr lang="en-GB" sz="3200" noProof="0" dirty="0"/>
               <a:t>Detecting genomic changes (</a:t>
             </a:r>
             <a:r>
-              <a:rPr lang="en-US" sz="3200" dirty="0" err="1"/>
+              <a:rPr lang="en-GB" sz="3200" noProof="0" dirty="0" err="1"/>
               <a:t>AbritAMR</a:t>
             </a:r>
             <a:r>
-              <a:rPr lang="en-US" sz="3200" dirty="0"/>
+              <a:rPr lang="en-GB" sz="3200" noProof="0" dirty="0"/>
               <a:t> example)</a:t>
             </a:r>
           </a:p>
@@ -15683,51 +15682,51 @@
           </a:bodyPr>
           <a:lstStyle/>
           <a:p>
-            <a:endParaRPr lang="nl-BE" sz="2800" dirty="0"/>
-          </a:p>
-          <a:p>
-            <a:r>
-              <a:rPr lang="nl-BE" sz="2800" dirty="0"/>
+            <a:endParaRPr lang="en-GB" sz="2800" noProof="0" dirty="0"/>
+          </a:p>
+          <a:p>
+            <a:r>
+              <a:rPr lang="en-GB" sz="2800" noProof="0" dirty="0"/>
               <a:t>Pathogens ability to infect and/or damage host tissue</a:t>
             </a:r>
           </a:p>
           <a:p>
-            <a:endParaRPr lang="nl-BE" sz="2800" dirty="0"/>
-          </a:p>
-          <a:p>
-            <a:r>
-              <a:rPr lang="nl-BE" sz="2800" dirty="0"/>
+            <a:endParaRPr lang="en-GB" sz="2800" noProof="0" dirty="0"/>
+          </a:p>
+          <a:p>
+            <a:r>
+              <a:rPr lang="en-GB" sz="2800" noProof="0" dirty="0"/>
               <a:t>Often present on plasmids and acquired horizontally</a:t>
             </a:r>
           </a:p>
           <a:p>
-            <a:endParaRPr lang="nl-BE" sz="2800" dirty="0"/>
-          </a:p>
-          <a:p>
-            <a:r>
-              <a:rPr lang="nl-BE" sz="2800" dirty="0"/>
+            <a:endParaRPr lang="en-GB" sz="2800" noProof="0" dirty="0"/>
+          </a:p>
+          <a:p>
+            <a:r>
+              <a:rPr lang="en-GB" sz="2800" noProof="0" dirty="0"/>
               <a:t>Good overview:</a:t>
             </a:r>
           </a:p>
           <a:p>
             <a:pPr lvl="1"/>
             <a:r>
-              <a:rPr lang="nl-BE" sz="2400" dirty="0">
+              <a:rPr lang="en-GB" sz="2400" noProof="0" dirty="0">
                 <a:hlinkClick r:id="rId3"/>
               </a:rPr>
               <a:t>https://openstax.org/books/microbiology/pages/15-3-virulence-factors-of-bacterial-and-viral-pathogens</a:t>
             </a:r>
             <a:r>
-              <a:rPr lang="nl-BE" sz="2400" dirty="0"/>
+              <a:rPr lang="en-GB" sz="2400" noProof="0" dirty="0"/>
               <a:t> </a:t>
             </a:r>
           </a:p>
           <a:p>
             <a:pPr lvl="1"/>
-            <a:endParaRPr lang="nl-BE" sz="2400" dirty="0"/>
-          </a:p>
-          <a:p>
-            <a:endParaRPr lang="nl-BE" sz="2000" dirty="0"/>
+            <a:endParaRPr lang="en-GB" sz="2400" noProof="0" dirty="0"/>
+          </a:p>
+          <a:p>
+            <a:endParaRPr lang="en-GB" sz="2000" noProof="0" dirty="0"/>
           </a:p>
         </p:txBody>
       </p:sp>
@@ -15973,10 +15972,10 @@
           <a:lstStyle/>
           <a:p>
             <a:r>
-              <a:rPr lang="en-GB" dirty="0"/>
+              <a:rPr lang="en-GB" noProof="0" dirty="0"/>
               <a:t>Prediction difficult as can be species-specific</a:t>
             </a:r>
-            <a:endParaRPr lang="nl-BE" sz="1800" dirty="0"/>
+            <a:endParaRPr lang="en-GB" sz="1800" noProof="0" dirty="0"/>
           </a:p>
         </p:txBody>
       </p:sp>
@@ -16573,6 +16572,12 @@
 </file>
 
 <file path=customXml/item2.xml><?xml version="1.0" encoding="utf-8"?>
+<p:properties xmlns:p="http://schemas.microsoft.com/office/2006/metadata/properties" xmlns:xsi="http://www.w3.org/2001/XMLSchema-instance" xmlns:pc="http://schemas.microsoft.com/office/infopath/2007/PartnerControls">
+  <documentManagement/>
+</p:properties>
+</file>
+
+<file path=customXml/item3.xml><?xml version="1.0" encoding="utf-8"?>
 <ct:contentTypeSchema xmlns:ct="http://schemas.microsoft.com/office/2006/metadata/contentType" xmlns:ma="http://schemas.microsoft.com/office/2006/metadata/properties/metaAttributes" ct:_="" ma:_="" ma:contentTypeName="Document" ma:contentTypeID="0x010100E248A64365211844BF30BC3ADD420261" ma:contentTypeVersion="11" ma:contentTypeDescription="Create a new document." ma:contentTypeScope="" ma:versionID="bf0b94b058452ed3cec91f89e664909d">
   <xsd:schema xmlns:xsd="http://www.w3.org/2001/XMLSchema" xmlns:xs="http://www.w3.org/2001/XMLSchema" xmlns:p="http://schemas.microsoft.com/office/2006/metadata/properties" xmlns:ns2="8dbe2aa3-3237-4830-85c4-3d48417ef302" xmlns:ns3="b317b901-4ab4-4161-80c3-da5df50c25bf" targetNamespace="http://schemas.microsoft.com/office/2006/metadata/properties" ma:root="true" ma:fieldsID="d988d784501c0b668dd73c0ebdbd98a4" ns2:_="" ns3:_="">
     <xsd:import namespace="8dbe2aa3-3237-4830-85c4-3d48417ef302"/>
@@ -16783,12 +16788,6 @@
 </ct:contentTypeSchema>
 </file>
 
-<file path=customXml/item3.xml><?xml version="1.0" encoding="utf-8"?>
-<p:properties xmlns:p="http://schemas.microsoft.com/office/2006/metadata/properties" xmlns:xsi="http://www.w3.org/2001/XMLSchema-instance" xmlns:pc="http://schemas.microsoft.com/office/infopath/2007/PartnerControls">
-  <documentManagement/>
-</p:properties>
-</file>
-
 <file path=customXml/itemProps1.xml><?xml version="1.0" encoding="utf-8"?>
 <ds:datastoreItem xmlns:ds="http://schemas.openxmlformats.org/officeDocument/2006/customXml" ds:itemID="{B1063616-57F3-4C87-BB7F-2974CF36DE76}">
   <ds:schemaRefs>
@@ -16798,6 +16797,23 @@
 </file>
 
 <file path=customXml/itemProps2.xml><?xml version="1.0" encoding="utf-8"?>
+<ds:datastoreItem xmlns:ds="http://schemas.openxmlformats.org/officeDocument/2006/customXml" ds:itemID="{71F1859A-D475-4A9D-83E1-80A36DBA260F}">
+  <ds:schemaRefs>
+    <ds:schemaRef ds:uri="http://schemas.microsoft.com/office/2006/documentManagement/types"/>
+    <ds:schemaRef ds:uri="http://purl.org/dc/dcmitype/"/>
+    <ds:schemaRef ds:uri="http://schemas.microsoft.com/office/2006/metadata/properties"/>
+    <ds:schemaRef ds:uri="http://schemas.openxmlformats.org/package/2006/metadata/core-properties"/>
+    <ds:schemaRef ds:uri="b317b901-4ab4-4161-80c3-da5df50c25bf"/>
+    <ds:schemaRef ds:uri="http://purl.org/dc/terms/"/>
+    <ds:schemaRef ds:uri="8dbe2aa3-3237-4830-85c4-3d48417ef302"/>
+    <ds:schemaRef ds:uri="http://schemas.microsoft.com/office/infopath/2007/PartnerControls"/>
+    <ds:schemaRef ds:uri="http://www.w3.org/XML/1998/namespace"/>
+    <ds:schemaRef ds:uri="http://purl.org/dc/elements/1.1/"/>
+  </ds:schemaRefs>
+</ds:datastoreItem>
+</file>
+
+<file path=customXml/itemProps3.xml><?xml version="1.0" encoding="utf-8"?>
 <ds:datastoreItem xmlns:ds="http://schemas.openxmlformats.org/officeDocument/2006/customXml" ds:itemID="{72E4F038-6994-4608-A1EA-AF583DA06B5C}">
   <ds:schemaRefs>
     <ds:schemaRef ds:uri="http://schemas.microsoft.com/office/2006/metadata/contentType"/>
@@ -16814,21 +16830,4 @@
     <ds:schemaRef ds:uri="http://schemas.microsoft.com/internal/obd"/>
   </ds:schemaRefs>
 </ds:datastoreItem>
-</file>
-
-<file path=customXml/itemProps3.xml><?xml version="1.0" encoding="utf-8"?>
-<ds:datastoreItem xmlns:ds="http://schemas.openxmlformats.org/officeDocument/2006/customXml" ds:itemID="{71F1859A-D475-4A9D-83E1-80A36DBA260F}">
-  <ds:schemaRefs>
-    <ds:schemaRef ds:uri="http://schemas.microsoft.com/office/2006/documentManagement/types"/>
-    <ds:schemaRef ds:uri="http://purl.org/dc/dcmitype/"/>
-    <ds:schemaRef ds:uri="http://schemas.microsoft.com/office/2006/metadata/properties"/>
-    <ds:schemaRef ds:uri="http://schemas.openxmlformats.org/package/2006/metadata/core-properties"/>
-    <ds:schemaRef ds:uri="b317b901-4ab4-4161-80c3-da5df50c25bf"/>
-    <ds:schemaRef ds:uri="http://purl.org/dc/terms/"/>
-    <ds:schemaRef ds:uri="8dbe2aa3-3237-4830-85c4-3d48417ef302"/>
-    <ds:schemaRef ds:uri="http://schemas.microsoft.com/office/infopath/2007/PartnerControls"/>
-    <ds:schemaRef ds:uri="http://www.w3.org/XML/1998/namespace"/>
-    <ds:schemaRef ds:uri="http://purl.org/dc/elements/1.1/"/>
-  </ds:schemaRefs>
-</ds:datastoreItem>
 </file>